--- a/doc/毕设阶段讨论5.pptx
+++ b/doc/毕设阶段讨论5.pptx
@@ -5,7 +5,7 @@
     <p:sldMasterId id="2147483660" r:id="rId1"/>
   </p:sldMasterIdLst>
   <p:notesMasterIdLst>
-    <p:notesMasterId r:id="rId10"/>
+    <p:notesMasterId r:id="rId13"/>
   </p:notesMasterIdLst>
   <p:sldIdLst>
     <p:sldId id="259" r:id="rId2"/>
@@ -16,6 +16,9 @@
     <p:sldId id="263" r:id="rId7"/>
     <p:sldId id="266" r:id="rId8"/>
     <p:sldId id="265" r:id="rId9"/>
+    <p:sldId id="267" r:id="rId10"/>
+    <p:sldId id="268" r:id="rId11"/>
+    <p:sldId id="269" r:id="rId12"/>
   </p:sldIdLst>
   <p:sldSz cx="9144000" cy="6858000" type="screen4x3"/>
   <p:notesSz cx="6858000" cy="9144000"/>
@@ -204,7 +207,7 @@
           <a:p>
             <a:fld id="{1039FDEC-D9E8-417B-A92D-34A2C592F790}" type="datetimeFigureOut">
               <a:rPr lang="zh-CN" altLang="en-US" smtClean="0"/>
-              <a:t>2018/1/30</a:t>
+              <a:t>2018/3/1</a:t>
             </a:fld>
             <a:endParaRPr lang="zh-CN" altLang="en-US"/>
           </a:p>
@@ -687,7 +690,7 @@
           <a:p>
             <a:fld id="{4194A0A5-C490-4359-BFD3-66E0DB2BFCAC}" type="datetimeFigureOut">
               <a:rPr lang="zh-CN" altLang="en-US" smtClean="0"/>
-              <a:t>2018/1/30</a:t>
+              <a:t>2018/3/1</a:t>
             </a:fld>
             <a:endParaRPr lang="zh-CN" altLang="en-US"/>
           </a:p>
@@ -857,7 +860,7 @@
           <a:p>
             <a:fld id="{4194A0A5-C490-4359-BFD3-66E0DB2BFCAC}" type="datetimeFigureOut">
               <a:rPr lang="zh-CN" altLang="en-US" smtClean="0"/>
-              <a:t>2018/1/30</a:t>
+              <a:t>2018/3/1</a:t>
             </a:fld>
             <a:endParaRPr lang="zh-CN" altLang="en-US"/>
           </a:p>
@@ -1037,7 +1040,7 @@
           <a:p>
             <a:fld id="{4194A0A5-C490-4359-BFD3-66E0DB2BFCAC}" type="datetimeFigureOut">
               <a:rPr lang="zh-CN" altLang="en-US" smtClean="0"/>
-              <a:t>2018/1/30</a:t>
+              <a:t>2018/3/1</a:t>
             </a:fld>
             <a:endParaRPr lang="zh-CN" altLang="en-US"/>
           </a:p>
@@ -1207,7 +1210,7 @@
           <a:p>
             <a:fld id="{4194A0A5-C490-4359-BFD3-66E0DB2BFCAC}" type="datetimeFigureOut">
               <a:rPr lang="zh-CN" altLang="en-US" smtClean="0"/>
-              <a:t>2018/1/30</a:t>
+              <a:t>2018/3/1</a:t>
             </a:fld>
             <a:endParaRPr lang="zh-CN" altLang="en-US"/>
           </a:p>
@@ -1451,7 +1454,7 @@
           <a:p>
             <a:fld id="{4194A0A5-C490-4359-BFD3-66E0DB2BFCAC}" type="datetimeFigureOut">
               <a:rPr lang="zh-CN" altLang="en-US" smtClean="0"/>
-              <a:t>2018/1/30</a:t>
+              <a:t>2018/3/1</a:t>
             </a:fld>
             <a:endParaRPr lang="zh-CN" altLang="en-US"/>
           </a:p>
@@ -1683,7 +1686,7 @@
           <a:p>
             <a:fld id="{4194A0A5-C490-4359-BFD3-66E0DB2BFCAC}" type="datetimeFigureOut">
               <a:rPr lang="zh-CN" altLang="en-US" smtClean="0"/>
-              <a:t>2018/1/30</a:t>
+              <a:t>2018/3/1</a:t>
             </a:fld>
             <a:endParaRPr lang="zh-CN" altLang="en-US"/>
           </a:p>
@@ -2050,7 +2053,7 @@
           <a:p>
             <a:fld id="{4194A0A5-C490-4359-BFD3-66E0DB2BFCAC}" type="datetimeFigureOut">
               <a:rPr lang="zh-CN" altLang="en-US" smtClean="0"/>
-              <a:t>2018/1/30</a:t>
+              <a:t>2018/3/1</a:t>
             </a:fld>
             <a:endParaRPr lang="zh-CN" altLang="en-US"/>
           </a:p>
@@ -2168,7 +2171,7 @@
           <a:p>
             <a:fld id="{4194A0A5-C490-4359-BFD3-66E0DB2BFCAC}" type="datetimeFigureOut">
               <a:rPr lang="zh-CN" altLang="en-US" smtClean="0"/>
-              <a:t>2018/1/30</a:t>
+              <a:t>2018/3/1</a:t>
             </a:fld>
             <a:endParaRPr lang="zh-CN" altLang="en-US"/>
           </a:p>
@@ -2263,7 +2266,7 @@
           <a:p>
             <a:fld id="{4194A0A5-C490-4359-BFD3-66E0DB2BFCAC}" type="datetimeFigureOut">
               <a:rPr lang="zh-CN" altLang="en-US" smtClean="0"/>
-              <a:t>2018/1/30</a:t>
+              <a:t>2018/3/1</a:t>
             </a:fld>
             <a:endParaRPr lang="zh-CN" altLang="en-US"/>
           </a:p>
@@ -2540,7 +2543,7 @@
           <a:p>
             <a:fld id="{4194A0A5-C490-4359-BFD3-66E0DB2BFCAC}" type="datetimeFigureOut">
               <a:rPr lang="zh-CN" altLang="en-US" smtClean="0"/>
-              <a:t>2018/1/30</a:t>
+              <a:t>2018/3/1</a:t>
             </a:fld>
             <a:endParaRPr lang="zh-CN" altLang="en-US"/>
           </a:p>
@@ -2797,7 +2800,7 @@
           <a:p>
             <a:fld id="{4194A0A5-C490-4359-BFD3-66E0DB2BFCAC}" type="datetimeFigureOut">
               <a:rPr lang="zh-CN" altLang="en-US" smtClean="0"/>
-              <a:t>2018/1/30</a:t>
+              <a:t>2018/3/1</a:t>
             </a:fld>
             <a:endParaRPr lang="zh-CN" altLang="en-US"/>
           </a:p>
@@ -3010,7 +3013,7 @@
           <a:p>
             <a:fld id="{4194A0A5-C490-4359-BFD3-66E0DB2BFCAC}" type="datetimeFigureOut">
               <a:rPr lang="zh-CN" altLang="en-US" smtClean="0"/>
-              <a:t>2018/1/30</a:t>
+              <a:t>2018/3/1</a:t>
             </a:fld>
             <a:endParaRPr lang="zh-CN" altLang="en-US"/>
           </a:p>
@@ -3465,6 +3468,16 @@
               <a:rPr lang="en-US" altLang="zh-CN" dirty="0" smtClean="0"/>
               <a:t>20180126</a:t>
             </a:r>
+          </a:p>
+          <a:p>
+            <a:r>
+              <a:rPr lang="zh-CN" altLang="en-US" dirty="0" smtClean="0"/>
+              <a:t>讨论时间</a:t>
+            </a:r>
+            <a:r>
+              <a:rPr lang="en-US" altLang="zh-CN" dirty="0" smtClean="0"/>
+              <a:t>20180301</a:t>
+            </a:r>
             <a:endParaRPr lang="zh-CN" altLang="en-US" dirty="0"/>
           </a:p>
         </p:txBody>
@@ -3473,6 +3486,234 @@
     <p:extLst>
       <p:ext uri="{BB962C8B-B14F-4D97-AF65-F5344CB8AC3E}">
         <p14:creationId xmlns:p14="http://schemas.microsoft.com/office/powerpoint/2010/main" val="42183112"/>
+      </p:ext>
+    </p:extLst>
+  </p:cSld>
+  <p:clrMapOvr>
+    <a:masterClrMapping/>
+  </p:clrMapOvr>
+</p:sld>
+</file>
+
+<file path=ppt/slides/slide10.xml><?xml version="1.0" encoding="utf-8"?>
+<p:sld xmlns:a="http://schemas.openxmlformats.org/drawingml/2006/main" xmlns:r="http://schemas.openxmlformats.org/officeDocument/2006/relationships" xmlns:p="http://schemas.openxmlformats.org/presentationml/2006/main">
+  <p:cSld>
+    <p:spTree>
+      <p:nvGrpSpPr>
+        <p:cNvPr id="1" name=""/>
+        <p:cNvGrpSpPr/>
+        <p:nvPr/>
+      </p:nvGrpSpPr>
+      <p:grpSpPr>
+        <a:xfrm>
+          <a:off x="0" y="0"/>
+          <a:ext cx="0" cy="0"/>
+          <a:chOff x="0" y="0"/>
+          <a:chExt cx="0" cy="0"/>
+        </a:xfrm>
+      </p:grpSpPr>
+      <p:sp>
+        <p:nvSpPr>
+          <p:cNvPr id="2" name="标题 1"/>
+          <p:cNvSpPr>
+            <a:spLocks noGrp="1"/>
+          </p:cNvSpPr>
+          <p:nvPr>
+            <p:ph type="title"/>
+          </p:nvPr>
+        </p:nvSpPr>
+        <p:spPr/>
+        <p:txBody>
+          <a:bodyPr/>
+          <a:lstStyle/>
+          <a:p>
+            <a:r>
+              <a:rPr lang="zh-CN" altLang="en-US" dirty="0" smtClean="0"/>
+              <a:t>主要原则</a:t>
+            </a:r>
+            <a:endParaRPr lang="zh-CN" altLang="en-US" dirty="0"/>
+          </a:p>
+        </p:txBody>
+      </p:sp>
+      <p:sp>
+        <p:nvSpPr>
+          <p:cNvPr id="3" name="内容占位符 2"/>
+          <p:cNvSpPr>
+            <a:spLocks noGrp="1"/>
+          </p:cNvSpPr>
+          <p:nvPr>
+            <p:ph idx="1"/>
+          </p:nvPr>
+        </p:nvSpPr>
+        <p:spPr/>
+        <p:txBody>
+          <a:bodyPr/>
+          <a:lstStyle/>
+          <a:p>
+            <a:r>
+              <a:rPr lang="zh-CN" altLang="en-US" dirty="0" smtClean="0"/>
+              <a:t>充分利用已有机制</a:t>
+            </a:r>
+            <a:endParaRPr lang="en-US" altLang="zh-CN" dirty="0" smtClean="0"/>
+          </a:p>
+          <a:p>
+            <a:r>
+              <a:rPr lang="zh-CN" altLang="en-US" dirty="0" smtClean="0"/>
+              <a:t>完整流程的最小集</a:t>
+            </a:r>
+            <a:endParaRPr lang="zh-CN" altLang="en-US" dirty="0"/>
+          </a:p>
+        </p:txBody>
+      </p:sp>
+    </p:spTree>
+    <p:extLst>
+      <p:ext uri="{BB962C8B-B14F-4D97-AF65-F5344CB8AC3E}">
+        <p14:creationId xmlns:p14="http://schemas.microsoft.com/office/powerpoint/2010/main" val="3159963668"/>
+      </p:ext>
+    </p:extLst>
+  </p:cSld>
+  <p:clrMapOvr>
+    <a:masterClrMapping/>
+  </p:clrMapOvr>
+</p:sld>
+</file>
+
+<file path=ppt/slides/slide11.xml><?xml version="1.0" encoding="utf-8"?>
+<p:sld xmlns:a="http://schemas.openxmlformats.org/drawingml/2006/main" xmlns:r="http://schemas.openxmlformats.org/officeDocument/2006/relationships" xmlns:p="http://schemas.openxmlformats.org/presentationml/2006/main">
+  <p:cSld>
+    <p:spTree>
+      <p:nvGrpSpPr>
+        <p:cNvPr id="1" name=""/>
+        <p:cNvGrpSpPr/>
+        <p:nvPr/>
+      </p:nvGrpSpPr>
+      <p:grpSpPr>
+        <a:xfrm>
+          <a:off x="0" y="0"/>
+          <a:ext cx="0" cy="0"/>
+          <a:chOff x="0" y="0"/>
+          <a:chExt cx="0" cy="0"/>
+        </a:xfrm>
+      </p:grpSpPr>
+      <p:sp>
+        <p:nvSpPr>
+          <p:cNvPr id="2" name="标题 1"/>
+          <p:cNvSpPr>
+            <a:spLocks noGrp="1"/>
+          </p:cNvSpPr>
+          <p:nvPr>
+            <p:ph type="title"/>
+          </p:nvPr>
+        </p:nvSpPr>
+        <p:spPr/>
+        <p:txBody>
+          <a:bodyPr/>
+          <a:lstStyle/>
+          <a:p>
+            <a:r>
+              <a:rPr lang="zh-CN" altLang="en-US" dirty="0" smtClean="0"/>
+              <a:t>时间节点</a:t>
+            </a:r>
+            <a:endParaRPr lang="zh-CN" altLang="en-US" dirty="0"/>
+          </a:p>
+        </p:txBody>
+      </p:sp>
+      <p:sp>
+        <p:nvSpPr>
+          <p:cNvPr id="3" name="内容占位符 2"/>
+          <p:cNvSpPr>
+            <a:spLocks noGrp="1"/>
+          </p:cNvSpPr>
+          <p:nvPr>
+            <p:ph idx="1"/>
+          </p:nvPr>
+        </p:nvSpPr>
+        <p:spPr/>
+        <p:txBody>
+          <a:bodyPr/>
+          <a:lstStyle/>
+          <a:p>
+            <a:r>
+              <a:rPr lang="en-US" altLang="zh-CN" dirty="0" smtClean="0"/>
+              <a:t>4</a:t>
+            </a:r>
+            <a:r>
+              <a:rPr lang="zh-CN" altLang="en-US" dirty="0" smtClean="0"/>
+              <a:t>月</a:t>
+            </a:r>
+            <a:r>
+              <a:rPr lang="en-US" altLang="zh-CN" dirty="0" smtClean="0"/>
+              <a:t>27</a:t>
+            </a:r>
+            <a:r>
+              <a:rPr lang="zh-CN" altLang="en-US" dirty="0" smtClean="0"/>
+              <a:t>日  检测论文</a:t>
+            </a:r>
+            <a:endParaRPr lang="en-US" altLang="zh-CN" dirty="0" smtClean="0"/>
+          </a:p>
+          <a:p>
+            <a:r>
+              <a:rPr lang="en-US" altLang="zh-CN" dirty="0" smtClean="0"/>
+              <a:t>4</a:t>
+            </a:r>
+            <a:r>
+              <a:rPr lang="zh-CN" altLang="en-US" dirty="0" smtClean="0"/>
+              <a:t>月</a:t>
+            </a:r>
+            <a:r>
+              <a:rPr lang="en-US" altLang="zh-CN" dirty="0" smtClean="0"/>
+              <a:t>29</a:t>
+            </a:r>
+            <a:r>
+              <a:rPr lang="zh-CN" altLang="en-US" dirty="0" smtClean="0"/>
+              <a:t>日  论文结果</a:t>
+            </a:r>
+            <a:endParaRPr lang="en-US" altLang="zh-CN" dirty="0" smtClean="0"/>
+          </a:p>
+          <a:p>
+            <a:r>
+              <a:rPr lang="en-US" altLang="zh-CN" dirty="0" smtClean="0"/>
+              <a:t>5</a:t>
+            </a:r>
+            <a:r>
+              <a:rPr lang="zh-CN" altLang="en-US" dirty="0" smtClean="0"/>
+              <a:t>月</a:t>
+            </a:r>
+            <a:r>
+              <a:rPr lang="en-US" altLang="zh-CN" dirty="0" smtClean="0"/>
+              <a:t>20</a:t>
+            </a:r>
+            <a:r>
+              <a:rPr lang="zh-CN" altLang="en-US" dirty="0" smtClean="0"/>
+              <a:t>日   终稿</a:t>
+            </a:r>
+            <a:endParaRPr lang="en-US" altLang="zh-CN" dirty="0" smtClean="0"/>
+          </a:p>
+          <a:p>
+            <a:r>
+              <a:rPr lang="en-US" altLang="zh-CN" dirty="0" smtClean="0"/>
+              <a:t>5</a:t>
+            </a:r>
+            <a:r>
+              <a:rPr lang="zh-CN" altLang="en-US" dirty="0" smtClean="0"/>
+              <a:t>月</a:t>
+            </a:r>
+            <a:r>
+              <a:rPr lang="en-US" altLang="zh-CN" dirty="0" smtClean="0"/>
+              <a:t>27</a:t>
+            </a:r>
+            <a:r>
+              <a:rPr lang="zh-CN" altLang="en-US" dirty="0" smtClean="0"/>
+              <a:t>日   论文答辩</a:t>
+            </a:r>
+            <a:endParaRPr lang="zh-CN" altLang="en-US" dirty="0"/>
+          </a:p>
+        </p:txBody>
+      </p:sp>
+    </p:spTree>
+    <p:extLst>
+      <p:ext uri="{BB962C8B-B14F-4D97-AF65-F5344CB8AC3E}">
+        <p14:creationId xmlns:p14="http://schemas.microsoft.com/office/powerpoint/2010/main" val="2193912791"/>
       </p:ext>
     </p:extLst>
   </p:cSld>
@@ -3624,11 +3865,7 @@
             </a:r>
             <a:r>
               <a:rPr lang="zh-CN" altLang="en-US" dirty="0" smtClean="0"/>
-              <a:t>的</a:t>
-            </a:r>
-            <a:r>
-              <a:rPr lang="zh-CN" altLang="en-US" dirty="0" smtClean="0"/>
-              <a:t>区别</a:t>
+              <a:t>的区别</a:t>
             </a:r>
             <a:endParaRPr lang="en-US" altLang="zh-CN" dirty="0" smtClean="0"/>
           </a:p>
@@ -3859,11 +4096,7 @@
             </a:r>
             <a:r>
               <a:rPr lang="zh-CN" altLang="en-US" dirty="0" smtClean="0"/>
-              <a:t>新功能：</a:t>
-            </a:r>
-            <a:r>
-              <a:rPr lang="zh-CN" altLang="en-US" dirty="0" smtClean="0"/>
-              <a:t>防火墙、负载均衡（</a:t>
+              <a:t>新功能：防火墙、负载均衡（</a:t>
             </a:r>
             <a:r>
               <a:rPr lang="en-US" altLang="zh-CN" dirty="0" smtClean="0"/>
@@ -4079,6 +4312,13 @@
   <p:clrMapOvr>
     <a:masterClrMapping/>
   </p:clrMapOvr>
+  <p:timing>
+    <p:tnLst>
+      <p:par>
+        <p:cTn id="1" dur="indefinite" restart="never" nodeType="tmRoot"/>
+      </p:par>
+    </p:tnLst>
+  </p:timing>
 </p:sld>
 </file>
 
@@ -4300,11 +4540,7 @@
             </a:r>
             <a:r>
               <a:rPr lang="zh-CN" altLang="en-US" sz="1200" dirty="0" smtClean="0"/>
-              <a:t>类似，脚本实现配置，重新配置的时候需要指示守护进程重新</a:t>
-            </a:r>
-            <a:r>
-              <a:rPr lang="zh-CN" altLang="en-US" sz="1200" dirty="0" smtClean="0"/>
-              <a:t>加载，内存占用率低，</a:t>
+              <a:t>类似，脚本实现配置，重新配置的时候需要指示守护进程重新加载，内存占用率低，</a:t>
             </a:r>
             <a:endParaRPr lang="en-US" altLang="zh-CN" sz="1200" dirty="0" smtClean="0"/>
           </a:p>
@@ -4324,15 +4560,7 @@
             </a:r>
             <a:r>
               <a:rPr lang="zh-CN" altLang="en-US" sz="1200" dirty="0" smtClean="0"/>
-              <a:t>，多进程协议，</a:t>
-            </a:r>
-            <a:r>
-              <a:rPr lang="zh-CN" altLang="en-US" sz="1200" dirty="0" smtClean="0"/>
-              <a:t>多</a:t>
-            </a:r>
-            <a:r>
-              <a:rPr lang="zh-CN" altLang="en-US" sz="1200" dirty="0" smtClean="0"/>
-              <a:t>协议</a:t>
+              <a:t>，多进程协议，多协议</a:t>
             </a:r>
             <a:r>
               <a:rPr lang="en-US" altLang="zh-CN" sz="1200" dirty="0" smtClean="0"/>
@@ -4340,11 +4568,7 @@
             </a:r>
             <a:r>
               <a:rPr lang="zh-CN" altLang="en-US" sz="1200" dirty="0" smtClean="0"/>
-              <a:t>稳定但陈旧的</a:t>
-            </a:r>
-            <a:r>
-              <a:rPr lang="zh-CN" altLang="en-US" sz="1200" dirty="0" smtClean="0"/>
-              <a:t>实现，开发从</a:t>
+              <a:t>稳定但陈旧的实现，需要自己写从</a:t>
             </a:r>
             <a:r>
               <a:rPr lang="en-US" altLang="zh-CN" sz="1200" dirty="0" err="1" smtClean="0"/>
@@ -4352,7 +4576,7 @@
             </a:r>
             <a:r>
               <a:rPr lang="zh-CN" altLang="en-US" sz="1200" dirty="0" smtClean="0"/>
-              <a:t>获取信息的模块需要时间</a:t>
+              <a:t>获取信息的模块</a:t>
             </a:r>
             <a:endParaRPr lang="en-US" altLang="zh-CN" sz="1200" dirty="0" smtClean="0"/>
           </a:p>
@@ -4392,11 +4616,7 @@
             </a:r>
             <a:r>
               <a:rPr lang="zh-CN" altLang="en-US" sz="1200" dirty="0" smtClean="0"/>
-              <a:t>差</a:t>
-            </a:r>
-            <a:r>
-              <a:rPr lang="zh-CN" altLang="en-US" sz="1200" dirty="0" smtClean="0"/>
-              <a:t>很多，高度可编程，可扩展性差（</a:t>
+              <a:t>差很多，高度可编程，可扩展性差（</a:t>
             </a:r>
             <a:r>
               <a:rPr lang="en-US" altLang="zh-CN" sz="1200" dirty="0" smtClean="0"/>
@@ -4492,6 +4712,13 @@
   <p:clrMapOvr>
     <a:masterClrMapping/>
   </p:clrMapOvr>
+  <p:timing>
+    <p:tnLst>
+      <p:par>
+        <p:cTn id="1" dur="indefinite" restart="never" nodeType="tmRoot"/>
+      </p:par>
+    </p:tnLst>
+  </p:timing>
 </p:sld>
 </file>
 
@@ -4663,6 +4890,13 @@
   <p:clrMapOvr>
     <a:masterClrMapping/>
   </p:clrMapOvr>
+  <p:timing>
+    <p:tnLst>
+      <p:par>
+        <p:cTn id="1" dur="indefinite" restart="never" nodeType="tmRoot"/>
+      </p:par>
+    </p:tnLst>
+  </p:timing>
 </p:sld>
 </file>
 
@@ -4858,6 +5092,131 @@
     <p:extLst>
       <p:ext uri="{BB962C8B-B14F-4D97-AF65-F5344CB8AC3E}">
         <p14:creationId xmlns:p14="http://schemas.microsoft.com/office/powerpoint/2010/main" val="3030956748"/>
+      </p:ext>
+    </p:extLst>
+  </p:cSld>
+  <p:clrMapOvr>
+    <a:masterClrMapping/>
+  </p:clrMapOvr>
+</p:sld>
+</file>
+
+<file path=ppt/slides/slide9.xml><?xml version="1.0" encoding="utf-8"?>
+<p:sld xmlns:a="http://schemas.openxmlformats.org/drawingml/2006/main" xmlns:r="http://schemas.openxmlformats.org/officeDocument/2006/relationships" xmlns:p="http://schemas.openxmlformats.org/presentationml/2006/main">
+  <p:cSld>
+    <p:spTree>
+      <p:nvGrpSpPr>
+        <p:cNvPr id="1" name=""/>
+        <p:cNvGrpSpPr/>
+        <p:nvPr/>
+      </p:nvGrpSpPr>
+      <p:grpSpPr>
+        <a:xfrm>
+          <a:off x="0" y="0"/>
+          <a:ext cx="0" cy="0"/>
+          <a:chOff x="0" y="0"/>
+          <a:chExt cx="0" cy="0"/>
+        </a:xfrm>
+      </p:grpSpPr>
+      <p:sp>
+        <p:nvSpPr>
+          <p:cNvPr id="2" name="标题 1"/>
+          <p:cNvSpPr>
+            <a:spLocks noGrp="1"/>
+          </p:cNvSpPr>
+          <p:nvPr>
+            <p:ph type="title"/>
+          </p:nvPr>
+        </p:nvSpPr>
+        <p:spPr/>
+        <p:txBody>
+          <a:bodyPr/>
+          <a:lstStyle/>
+          <a:p>
+            <a:r>
+              <a:rPr lang="zh-CN" altLang="en-US" dirty="0" smtClean="0"/>
+              <a:t>确定方案</a:t>
+            </a:r>
+            <a:r>
+              <a:rPr lang="zh-CN" altLang="en-US" dirty="0" smtClean="0"/>
+              <a:t>一：</a:t>
+            </a:r>
+            <a:r>
+              <a:rPr lang="en-US" altLang="zh-CN" dirty="0" err="1" smtClean="0"/>
+              <a:t>exabgp</a:t>
+            </a:r>
+            <a:r>
+              <a:rPr lang="zh-CN" altLang="en-US" dirty="0" smtClean="0"/>
+              <a:t>建立</a:t>
+            </a:r>
+            <a:r>
+              <a:rPr lang="en-US" altLang="zh-CN" dirty="0" smtClean="0"/>
+              <a:t>peer</a:t>
+            </a:r>
+            <a:endParaRPr lang="zh-CN" altLang="en-US" dirty="0"/>
+          </a:p>
+        </p:txBody>
+      </p:sp>
+      <p:sp>
+        <p:nvSpPr>
+          <p:cNvPr id="3" name="内容占位符 2"/>
+          <p:cNvSpPr>
+            <a:spLocks noGrp="1"/>
+          </p:cNvSpPr>
+          <p:nvPr>
+            <p:ph idx="1"/>
+          </p:nvPr>
+        </p:nvSpPr>
+        <p:spPr/>
+        <p:txBody>
+          <a:bodyPr/>
+          <a:lstStyle/>
+          <a:p>
+            <a:r>
+              <a:rPr lang="zh-CN" altLang="en-US" dirty="0" smtClean="0"/>
+              <a:t>需要修改的模块：模块图</a:t>
+            </a:r>
+            <a:endParaRPr lang="en-US" altLang="zh-CN" dirty="0" smtClean="0"/>
+          </a:p>
+          <a:p>
+            <a:r>
+              <a:rPr lang="zh-CN" altLang="en-US" dirty="0"/>
+              <a:t>模块</a:t>
+            </a:r>
+            <a:r>
+              <a:rPr lang="zh-CN" altLang="en-US" dirty="0" smtClean="0"/>
+              <a:t>的接口：怎么处理</a:t>
+            </a:r>
+            <a:endParaRPr lang="en-US" altLang="zh-CN" dirty="0" smtClean="0"/>
+          </a:p>
+          <a:p>
+            <a:r>
+              <a:rPr lang="zh-CN" altLang="en-US" dirty="0" smtClean="0"/>
+              <a:t>边界路由器和集中平台的通信：</a:t>
+            </a:r>
+            <a:r>
+              <a:rPr lang="en-US" altLang="zh-CN" dirty="0" err="1" smtClean="0"/>
+              <a:t>Bgp</a:t>
+            </a:r>
+            <a:r>
+              <a:rPr lang="zh-CN" altLang="en-US" dirty="0" smtClean="0"/>
+              <a:t>连接</a:t>
+            </a:r>
+            <a:endParaRPr lang="en-US" altLang="zh-CN" dirty="0" smtClean="0"/>
+          </a:p>
+          <a:p>
+            <a:r>
+              <a:rPr lang="zh-CN" altLang="en-US" dirty="0" smtClean="0"/>
+              <a:t>集中式平台框架填充</a:t>
+            </a:r>
+            <a:endParaRPr lang="en-US" altLang="zh-CN" dirty="0" smtClean="0"/>
+          </a:p>
+        </p:txBody>
+      </p:sp>
+    </p:spTree>
+    <p:extLst>
+      <p:ext uri="{BB962C8B-B14F-4D97-AF65-F5344CB8AC3E}">
+        <p14:creationId xmlns:p14="http://schemas.microsoft.com/office/powerpoint/2010/main" val="3324833109"/>
       </p:ext>
     </p:extLst>
   </p:cSld>
